--- a/docs/szabozichyv_conduit.pptx
+++ b/docs/szabozichyv_conduit.pptx
@@ -5276,7 +5276,7 @@
         <p:spPr>
           <a:xfrm>
             <a:off x="177805" y="1541999"/>
-            <a:ext cx="5544616" cy="1512168"/>
+            <a:ext cx="4898251" cy="1512168"/>
           </a:xfrm>
         </p:spPr>
         <p:txBody>
@@ -5375,7 +5375,7 @@
         </p:nvSpPr>
         <p:spPr>
           <a:xfrm>
-            <a:off x="188640" y="4647143"/>
+            <a:off x="177805" y="4339365"/>
             <a:ext cx="8766720" cy="276999"/>
           </a:xfrm>
           <a:prstGeom prst="rect">
@@ -5406,6 +5406,66 @@
               <a:t>vszabo5@gmail.com</a:t>
             </a:r>
             <a:endParaRPr lang="ko-KR" altLang="en-US" sz="1200" b="1" dirty="0">
+              <a:solidFill>
+                <a:schemeClr val="bg1"/>
+              </a:solidFill>
+              <a:effectLst>
+                <a:outerShdw blurRad="38100" dist="38100" dir="2700000" algn="tl">
+                  <a:srgbClr val="000000">
+                    <a:alpha val="43137"/>
+                  </a:srgbClr>
+                </a:outerShdw>
+              </a:effectLst>
+              <a:cs typeface="Arial" pitchFamily="34" charset="0"/>
+            </a:endParaRPr>
+          </a:p>
+        </p:txBody>
+      </p:sp>
+      <p:sp>
+        <p:nvSpPr>
+          <p:cNvPr id="7" name="TextBox 5">
+            <a:extLst>
+              <a:ext uri="{FF2B5EF4-FFF2-40B4-BE49-F238E27FC236}">
+                <a16:creationId xmlns:a16="http://schemas.microsoft.com/office/drawing/2014/main" id="{B5B22DB6-DDC0-4FF9-980C-9D669D88D596}"/>
+              </a:ext>
+            </a:extLst>
+          </p:cNvPr>
+          <p:cNvSpPr txBox="1"/>
+          <p:nvPr/>
+        </p:nvSpPr>
+        <p:spPr>
+          <a:xfrm>
+            <a:off x="177805" y="4666394"/>
+            <a:ext cx="8766720" cy="246221"/>
+          </a:xfrm>
+          <a:prstGeom prst="rect">
+            <a:avLst/>
+          </a:prstGeom>
+          <a:noFill/>
+        </p:spPr>
+        <p:txBody>
+          <a:bodyPr wrap="square" rtlCol="0">
+            <a:spAutoFit/>
+          </a:bodyPr>
+          <a:lstStyle/>
+          <a:p>
+            <a:r>
+              <a:rPr lang="hu-HU" altLang="ko-KR" sz="1000" b="1" dirty="0">
+                <a:solidFill>
+                  <a:schemeClr val="bg1"/>
+                </a:solidFill>
+                <a:effectLst>
+                  <a:outerShdw blurRad="38100" dist="38100" dir="2700000" algn="tl">
+                    <a:srgbClr val="000000">
+                      <a:alpha val="43137"/>
+                    </a:srgbClr>
+                  </a:outerShdw>
+                </a:effectLst>
+                <a:cs typeface="Arial" pitchFamily="34" charset="0"/>
+              </a:rPr>
+              <a:t>2021.szeptember.06</a:t>
+            </a:r>
+            <a:endParaRPr lang="ko-KR" altLang="en-US" sz="1000" b="1" dirty="0">
               <a:solidFill>
                 <a:schemeClr val="bg1"/>
               </a:solidFill>
@@ -5479,14 +5539,48 @@
         </p:blipFill>
         <p:spPr>
           <a:xfrm>
-            <a:off x="524920" y="138668"/>
-            <a:ext cx="8094159" cy="4866163"/>
+            <a:off x="971957" y="627534"/>
+            <a:ext cx="7200085" cy="4328651"/>
           </a:xfrm>
           <a:prstGeom prst="rect">
             <a:avLst/>
           </a:prstGeom>
         </p:spPr>
       </p:pic>
+      <p:sp>
+        <p:nvSpPr>
+          <p:cNvPr id="3" name="Text Placeholder 1">
+            <a:extLst>
+              <a:ext uri="{FF2B5EF4-FFF2-40B4-BE49-F238E27FC236}">
+                <a16:creationId xmlns:a16="http://schemas.microsoft.com/office/drawing/2014/main" id="{F24A3542-D871-4158-B98F-681527355D12}"/>
+              </a:ext>
+            </a:extLst>
+          </p:cNvPr>
+          <p:cNvSpPr>
+            <a:spLocks noGrp="1"/>
+          </p:cNvSpPr>
+          <p:nvPr>
+            <p:ph type="body" sz="quarter" idx="10"/>
+          </p:nvPr>
+        </p:nvSpPr>
+        <p:spPr>
+          <a:xfrm>
+            <a:off x="0" y="123478"/>
+            <a:ext cx="9144000" cy="576064"/>
+          </a:xfrm>
+        </p:spPr>
+        <p:txBody>
+          <a:bodyPr/>
+          <a:lstStyle/>
+          <a:p>
+            <a:r>
+              <a:rPr lang="hu-HU" altLang="ko-KR" dirty="0"/>
+              <a:t>A tesztelt alkalmazás</a:t>
+            </a:r>
+            <a:endParaRPr lang="ko-KR" altLang="en-US" dirty="0"/>
+          </a:p>
+        </p:txBody>
+      </p:sp>
     </p:spTree>
     <p:extLst>
       <p:ext uri="{BB962C8B-B14F-4D97-AF65-F5344CB8AC3E}">
@@ -5767,7 +5861,7 @@
               <a:buNone/>
             </a:pPr>
             <a:r>
-              <a:rPr lang="hu-HU" altLang="ko-KR" sz="4400" b="1" dirty="0" err="1">
+              <a:rPr lang="hu-HU" altLang="ko-KR" sz="4400" b="1" dirty="0">
                 <a:solidFill>
                   <a:schemeClr val="bg1"/>
                 </a:solidFill>
@@ -6034,15 +6128,7 @@
           <a:p>
             <a:r>
               <a:rPr lang="hu-HU" altLang="ko-KR" dirty="0"/>
-              <a:t>Összesített </a:t>
-            </a:r>
-            <a:r>
-              <a:rPr lang="hu-HU" altLang="ko-KR" dirty="0" err="1"/>
-              <a:t>Allure</a:t>
-            </a:r>
-            <a:r>
-              <a:rPr lang="hu-HU" altLang="ko-KR" dirty="0"/>
-              <a:t> riport</a:t>
+              <a:t>Összesített Allure riport</a:t>
             </a:r>
             <a:endParaRPr lang="ko-KR" altLang="en-US" dirty="0"/>
           </a:p>
@@ -6106,8 +6192,8 @@
         </p:blipFill>
         <p:spPr>
           <a:xfrm>
-            <a:off x="116779" y="247184"/>
-            <a:ext cx="8910442" cy="4649132"/>
+            <a:off x="412260" y="555526"/>
+            <a:ext cx="8319479" cy="4340790"/>
           </a:xfrm>
           <a:prstGeom prst="rect">
             <a:avLst/>
